--- a/Model/Figures/preparations.pptx
+++ b/Model/Figures/preparations.pptx
@@ -11,6 +11,9 @@
     <p:sldId id="259" r:id="rId5"/>
     <p:sldId id="260" r:id="rId6"/>
     <p:sldId id="261" r:id="rId7"/>
+    <p:sldId id="262" r:id="rId8"/>
+    <p:sldId id="263" r:id="rId9"/>
+    <p:sldId id="264" r:id="rId10"/>
   </p:sldIdLst>
   <p:sldSz cx="6858000" cy="9144000" type="screen4x3"/>
   <p:notesSz cx="6858000" cy="9144000"/>
@@ -124,9 +127,15 @@
             <p14:sldId id="259"/>
             <p14:sldId id="260"/>
             <p14:sldId id="261"/>
+            <p14:sldId id="262"/>
+            <p14:sldId id="263"/>
+            <p14:sldId id="264"/>
           </p14:sldIdLst>
         </p14:section>
       </p14:sectionLst>
+    </p:ext>
+    <p:ext uri="{EFAFB233-063F-42B5-8137-9DF3F51BA10A}">
+      <p15:sldGuideLst xmlns:p15="http://schemas.microsoft.com/office/powerpoint/2012/main"/>
     </p:ext>
   </p:extLst>
 </p:presentation>
@@ -263,7 +272,7 @@
           <a:p>
             <a:fld id="{DAB3D2AE-A2E6-41FF-B60F-D3118B939636}" type="datetimeFigureOut">
               <a:rPr lang="en-US" smtClean="0"/>
-              <a:t>12/12/2016</a:t>
+              <a:t>12/13/2016</a:t>
             </a:fld>
             <a:endParaRPr lang="en-US"/>
           </a:p>
@@ -433,7 +442,7 @@
           <a:p>
             <a:fld id="{DAB3D2AE-A2E6-41FF-B60F-D3118B939636}" type="datetimeFigureOut">
               <a:rPr lang="en-US" smtClean="0"/>
-              <a:t>12/12/2016</a:t>
+              <a:t>12/13/2016</a:t>
             </a:fld>
             <a:endParaRPr lang="en-US"/>
           </a:p>
@@ -613,7 +622,7 @@
           <a:p>
             <a:fld id="{DAB3D2AE-A2E6-41FF-B60F-D3118B939636}" type="datetimeFigureOut">
               <a:rPr lang="en-US" smtClean="0"/>
-              <a:t>12/12/2016</a:t>
+              <a:t>12/13/2016</a:t>
             </a:fld>
             <a:endParaRPr lang="en-US"/>
           </a:p>
@@ -783,7 +792,7 @@
           <a:p>
             <a:fld id="{DAB3D2AE-A2E6-41FF-B60F-D3118B939636}" type="datetimeFigureOut">
               <a:rPr lang="en-US" smtClean="0"/>
-              <a:t>12/12/2016</a:t>
+              <a:t>12/13/2016</a:t>
             </a:fld>
             <a:endParaRPr lang="en-US"/>
           </a:p>
@@ -1027,7 +1036,7 @@
           <a:p>
             <a:fld id="{DAB3D2AE-A2E6-41FF-B60F-D3118B939636}" type="datetimeFigureOut">
               <a:rPr lang="en-US" smtClean="0"/>
-              <a:t>12/12/2016</a:t>
+              <a:t>12/13/2016</a:t>
             </a:fld>
             <a:endParaRPr lang="en-US"/>
           </a:p>
@@ -1259,7 +1268,7 @@
           <a:p>
             <a:fld id="{DAB3D2AE-A2E6-41FF-B60F-D3118B939636}" type="datetimeFigureOut">
               <a:rPr lang="en-US" smtClean="0"/>
-              <a:t>12/12/2016</a:t>
+              <a:t>12/13/2016</a:t>
             </a:fld>
             <a:endParaRPr lang="en-US"/>
           </a:p>
@@ -1626,7 +1635,7 @@
           <a:p>
             <a:fld id="{DAB3D2AE-A2E6-41FF-B60F-D3118B939636}" type="datetimeFigureOut">
               <a:rPr lang="en-US" smtClean="0"/>
-              <a:t>12/12/2016</a:t>
+              <a:t>12/13/2016</a:t>
             </a:fld>
             <a:endParaRPr lang="en-US"/>
           </a:p>
@@ -1744,7 +1753,7 @@
           <a:p>
             <a:fld id="{DAB3D2AE-A2E6-41FF-B60F-D3118B939636}" type="datetimeFigureOut">
               <a:rPr lang="en-US" smtClean="0"/>
-              <a:t>12/12/2016</a:t>
+              <a:t>12/13/2016</a:t>
             </a:fld>
             <a:endParaRPr lang="en-US"/>
           </a:p>
@@ -1839,7 +1848,7 @@
           <a:p>
             <a:fld id="{DAB3D2AE-A2E6-41FF-B60F-D3118B939636}" type="datetimeFigureOut">
               <a:rPr lang="en-US" smtClean="0"/>
-              <a:t>12/12/2016</a:t>
+              <a:t>12/13/2016</a:t>
             </a:fld>
             <a:endParaRPr lang="en-US"/>
           </a:p>
@@ -2116,7 +2125,7 @@
           <a:p>
             <a:fld id="{DAB3D2AE-A2E6-41FF-B60F-D3118B939636}" type="datetimeFigureOut">
               <a:rPr lang="en-US" smtClean="0"/>
-              <a:t>12/12/2016</a:t>
+              <a:t>12/13/2016</a:t>
             </a:fld>
             <a:endParaRPr lang="en-US"/>
           </a:p>
@@ -2373,7 +2382,7 @@
           <a:p>
             <a:fld id="{DAB3D2AE-A2E6-41FF-B60F-D3118B939636}" type="datetimeFigureOut">
               <a:rPr lang="en-US" smtClean="0"/>
-              <a:t>12/12/2016</a:t>
+              <a:t>12/13/2016</a:t>
             </a:fld>
             <a:endParaRPr lang="en-US"/>
           </a:p>
@@ -2586,7 +2595,7 @@
           <a:p>
             <a:fld id="{DAB3D2AE-A2E6-41FF-B60F-D3118B939636}" type="datetimeFigureOut">
               <a:rPr lang="en-US" smtClean="0"/>
-              <a:t>12/12/2016</a:t>
+              <a:t>12/13/2016</a:t>
             </a:fld>
             <a:endParaRPr lang="en-US"/>
           </a:p>
@@ -5297,10 +5306,887 @@
           <a:chExt cx="0" cy="0"/>
         </a:xfrm>
       </p:grpSpPr>
+      <p:pic>
+        <p:nvPicPr>
+          <p:cNvPr id="2" name="Picture 1"/>
+          <p:cNvPicPr>
+            <a:picLocks noChangeAspect="1"/>
+          </p:cNvPicPr>
+          <p:nvPr/>
+        </p:nvPicPr>
+        <p:blipFill>
+          <a:blip r:embed="rId2">
+            <a:extLst>
+              <a:ext uri="{28A0092B-C50C-407E-A947-70E740481C1C}">
+                <a14:useLocalDpi xmlns:a14="http://schemas.microsoft.com/office/drawing/2010/main" val="0"/>
+              </a:ext>
+            </a:extLst>
+          </a:blip>
+          <a:stretch>
+            <a:fillRect/>
+          </a:stretch>
+        </p:blipFill>
+        <p:spPr>
+          <a:xfrm>
+            <a:off x="300790" y="2249906"/>
+            <a:ext cx="6293547" cy="3383545"/>
+          </a:xfrm>
+          <a:prstGeom prst="rect">
+            <a:avLst/>
+          </a:prstGeom>
+        </p:spPr>
+      </p:pic>
+      <p:sp>
+        <p:nvSpPr>
+          <p:cNvPr id="3" name="Rectangle 2"/>
+          <p:cNvSpPr/>
+          <p:nvPr/>
+        </p:nvSpPr>
+        <p:spPr>
+          <a:xfrm>
+            <a:off x="2430378" y="2683042"/>
+            <a:ext cx="240632" cy="2658979"/>
+          </a:xfrm>
+          <a:prstGeom prst="rect">
+            <a:avLst/>
+          </a:prstGeom>
+          <a:solidFill>
+            <a:schemeClr val="accent1">
+              <a:alpha val="21000"/>
+            </a:schemeClr>
+          </a:solidFill>
+        </p:spPr>
+        <p:style>
+          <a:lnRef idx="2">
+            <a:schemeClr val="accent1">
+              <a:shade val="50000"/>
+            </a:schemeClr>
+          </a:lnRef>
+          <a:fillRef idx="1">
+            <a:schemeClr val="accent1"/>
+          </a:fillRef>
+          <a:effectRef idx="0">
+            <a:schemeClr val="accent1"/>
+          </a:effectRef>
+          <a:fontRef idx="minor">
+            <a:schemeClr val="lt1"/>
+          </a:fontRef>
+        </p:style>
+        <p:txBody>
+          <a:bodyPr rtlCol="0" anchor="ctr"/>
+          <a:lstStyle/>
+          <a:p>
+            <a:pPr algn="ctr"/>
+            <a:endParaRPr lang="en-US"/>
+          </a:p>
+        </p:txBody>
+      </p:sp>
+      <p:sp>
+        <p:nvSpPr>
+          <p:cNvPr id="4" name="Rectangle 3"/>
+          <p:cNvSpPr/>
+          <p:nvPr/>
+        </p:nvSpPr>
+        <p:spPr>
+          <a:xfrm>
+            <a:off x="5903493" y="2683041"/>
+            <a:ext cx="240632" cy="2658979"/>
+          </a:xfrm>
+          <a:prstGeom prst="rect">
+            <a:avLst/>
+          </a:prstGeom>
+          <a:solidFill>
+            <a:schemeClr val="accent1">
+              <a:alpha val="21000"/>
+            </a:schemeClr>
+          </a:solidFill>
+        </p:spPr>
+        <p:style>
+          <a:lnRef idx="2">
+            <a:schemeClr val="accent1">
+              <a:shade val="50000"/>
+            </a:schemeClr>
+          </a:lnRef>
+          <a:fillRef idx="1">
+            <a:schemeClr val="accent1"/>
+          </a:fillRef>
+          <a:effectRef idx="0">
+            <a:schemeClr val="accent1"/>
+          </a:effectRef>
+          <a:fontRef idx="minor">
+            <a:schemeClr val="lt1"/>
+          </a:fontRef>
+        </p:style>
+        <p:txBody>
+          <a:bodyPr rtlCol="0" anchor="ctr"/>
+          <a:lstStyle/>
+          <a:p>
+            <a:pPr algn="ctr"/>
+            <a:endParaRPr lang="en-US"/>
+          </a:p>
+        </p:txBody>
+      </p:sp>
+      <p:sp>
+        <p:nvSpPr>
+          <p:cNvPr id="5" name="TextBox 4"/>
+          <p:cNvSpPr txBox="1"/>
+          <p:nvPr/>
+        </p:nvSpPr>
+        <p:spPr>
+          <a:xfrm>
+            <a:off x="3447563" y="3537284"/>
+            <a:ext cx="1540042" cy="261610"/>
+          </a:xfrm>
+          <a:prstGeom prst="rect">
+            <a:avLst/>
+          </a:prstGeom>
+          <a:noFill/>
+        </p:spPr>
+        <p:txBody>
+          <a:bodyPr wrap="square" rtlCol="0">
+            <a:spAutoFit/>
+          </a:bodyPr>
+          <a:lstStyle/>
+          <a:p>
+            <a:r>
+              <a:rPr lang="en-US" sz="1100" dirty="0"/>
+              <a:t>Hurricane Matthew</a:t>
+            </a:r>
+          </a:p>
+        </p:txBody>
+      </p:sp>
+      <p:cxnSp>
+        <p:nvCxnSpPr>
+          <p:cNvPr id="7" name="Straight Arrow Connector 6"/>
+          <p:cNvCxnSpPr/>
+          <p:nvPr/>
+        </p:nvCxnSpPr>
+        <p:spPr>
+          <a:xfrm>
+            <a:off x="4740442" y="3668089"/>
+            <a:ext cx="1163051" cy="0"/>
+          </a:xfrm>
+          <a:prstGeom prst="straightConnector1">
+            <a:avLst/>
+          </a:prstGeom>
+          <a:ln>
+            <a:tailEnd type="triangle"/>
+          </a:ln>
+        </p:spPr>
+        <p:style>
+          <a:lnRef idx="1">
+            <a:schemeClr val="accent1"/>
+          </a:lnRef>
+          <a:fillRef idx="0">
+            <a:schemeClr val="accent1"/>
+          </a:fillRef>
+          <a:effectRef idx="0">
+            <a:schemeClr val="accent1"/>
+          </a:effectRef>
+          <a:fontRef idx="minor">
+            <a:schemeClr val="tx1"/>
+          </a:fontRef>
+        </p:style>
+      </p:cxnSp>
+      <p:cxnSp>
+        <p:nvCxnSpPr>
+          <p:cNvPr id="9" name="Straight Arrow Connector 8"/>
+          <p:cNvCxnSpPr>
+            <a:stCxn id="5" idx="1"/>
+          </p:cNvCxnSpPr>
+          <p:nvPr/>
+        </p:nvCxnSpPr>
+        <p:spPr>
+          <a:xfrm flipH="1">
+            <a:off x="2671010" y="3668089"/>
+            <a:ext cx="776553" cy="0"/>
+          </a:xfrm>
+          <a:prstGeom prst="straightConnector1">
+            <a:avLst/>
+          </a:prstGeom>
+          <a:ln>
+            <a:tailEnd type="triangle"/>
+          </a:ln>
+        </p:spPr>
+        <p:style>
+          <a:lnRef idx="1">
+            <a:schemeClr val="accent1"/>
+          </a:lnRef>
+          <a:fillRef idx="0">
+            <a:schemeClr val="accent1"/>
+          </a:fillRef>
+          <a:effectRef idx="0">
+            <a:schemeClr val="accent1"/>
+          </a:effectRef>
+          <a:fontRef idx="minor">
+            <a:schemeClr val="tx1"/>
+          </a:fontRef>
+        </p:style>
+      </p:cxnSp>
+      <p:cxnSp>
+        <p:nvCxnSpPr>
+          <p:cNvPr id="11" name="Straight Connector 10"/>
+          <p:cNvCxnSpPr/>
+          <p:nvPr/>
+        </p:nvCxnSpPr>
+        <p:spPr>
+          <a:xfrm>
+            <a:off x="3886200" y="3952370"/>
+            <a:ext cx="2574758" cy="0"/>
+          </a:xfrm>
+          <a:prstGeom prst="line">
+            <a:avLst/>
+          </a:prstGeom>
+          <a:ln w="12700">
+            <a:solidFill>
+              <a:srgbClr val="FF0000"/>
+            </a:solidFill>
+          </a:ln>
+        </p:spPr>
+        <p:style>
+          <a:lnRef idx="1">
+            <a:schemeClr val="accent1"/>
+          </a:lnRef>
+          <a:fillRef idx="0">
+            <a:schemeClr val="accent1"/>
+          </a:fillRef>
+          <a:effectRef idx="0">
+            <a:schemeClr val="accent1"/>
+          </a:effectRef>
+          <a:fontRef idx="minor">
+            <a:schemeClr val="tx1"/>
+          </a:fontRef>
+        </p:style>
+      </p:cxnSp>
     </p:spTree>
     <p:extLst>
       <p:ext uri="{BB962C8B-B14F-4D97-AF65-F5344CB8AC3E}">
         <p14:creationId xmlns:p14="http://schemas.microsoft.com/office/powerpoint/2010/main" val="3411469573"/>
+      </p:ext>
+    </p:extLst>
+  </p:cSld>
+  <p:clrMapOvr>
+    <a:masterClrMapping/>
+  </p:clrMapOvr>
+</p:sld>
+</file>
+
+<file path=ppt/slides/slide7.xml><?xml version="1.0" encoding="utf-8"?>
+<p:sld xmlns:a="http://schemas.openxmlformats.org/drawingml/2006/main" xmlns:r="http://schemas.openxmlformats.org/officeDocument/2006/relationships" xmlns:p="http://schemas.openxmlformats.org/presentationml/2006/main">
+  <p:cSld>
+    <p:spTree>
+      <p:nvGrpSpPr>
+        <p:cNvPr id="1" name=""/>
+        <p:cNvGrpSpPr/>
+        <p:nvPr/>
+      </p:nvGrpSpPr>
+      <p:grpSpPr>
+        <a:xfrm>
+          <a:off x="0" y="0"/>
+          <a:ext cx="0" cy="0"/>
+          <a:chOff x="0" y="0"/>
+          <a:chExt cx="0" cy="0"/>
+        </a:xfrm>
+      </p:grpSpPr>
+      <p:pic>
+        <p:nvPicPr>
+          <p:cNvPr id="2" name="Picture 1"/>
+          <p:cNvPicPr>
+            <a:picLocks noChangeAspect="1"/>
+          </p:cNvPicPr>
+          <p:nvPr/>
+        </p:nvPicPr>
+        <p:blipFill>
+          <a:blip r:embed="rId2">
+            <a:extLst>
+              <a:ext uri="{28A0092B-C50C-407E-A947-70E740481C1C}">
+                <a14:useLocalDpi xmlns:a14="http://schemas.microsoft.com/office/drawing/2010/main" val="0"/>
+              </a:ext>
+            </a:extLst>
+          </a:blip>
+          <a:stretch>
+            <a:fillRect/>
+          </a:stretch>
+        </p:blipFill>
+        <p:spPr>
+          <a:xfrm>
+            <a:off x="0" y="2842118"/>
+            <a:ext cx="6858000" cy="3459764"/>
+          </a:xfrm>
+          <a:prstGeom prst="rect">
+            <a:avLst/>
+          </a:prstGeom>
+        </p:spPr>
+      </p:pic>
+      <p:sp>
+        <p:nvSpPr>
+          <p:cNvPr id="3" name="Rectangle 2"/>
+          <p:cNvSpPr/>
+          <p:nvPr/>
+        </p:nvSpPr>
+        <p:spPr>
+          <a:xfrm>
+            <a:off x="4078705" y="2995874"/>
+            <a:ext cx="252663" cy="3681663"/>
+          </a:xfrm>
+          <a:prstGeom prst="rect">
+            <a:avLst/>
+          </a:prstGeom>
+          <a:noFill/>
+        </p:spPr>
+        <p:style>
+          <a:lnRef idx="2">
+            <a:schemeClr val="accent1">
+              <a:shade val="50000"/>
+            </a:schemeClr>
+          </a:lnRef>
+          <a:fillRef idx="1">
+            <a:schemeClr val="accent1"/>
+          </a:fillRef>
+          <a:effectRef idx="0">
+            <a:schemeClr val="accent1"/>
+          </a:effectRef>
+          <a:fontRef idx="minor">
+            <a:schemeClr val="lt1"/>
+          </a:fontRef>
+        </p:style>
+        <p:txBody>
+          <a:bodyPr rtlCol="0" anchor="ctr"/>
+          <a:lstStyle/>
+          <a:p>
+            <a:pPr algn="ctr"/>
+            <a:endParaRPr lang="en-US"/>
+          </a:p>
+        </p:txBody>
+      </p:sp>
+      <p:cxnSp>
+        <p:nvCxnSpPr>
+          <p:cNvPr id="5" name="Straight Arrow Connector 4"/>
+          <p:cNvCxnSpPr/>
+          <p:nvPr/>
+        </p:nvCxnSpPr>
+        <p:spPr>
+          <a:xfrm flipH="1">
+            <a:off x="4331368" y="6301882"/>
+            <a:ext cx="360948" cy="0"/>
+          </a:xfrm>
+          <a:prstGeom prst="straightConnector1">
+            <a:avLst/>
+          </a:prstGeom>
+          <a:ln>
+            <a:tailEnd type="triangle"/>
+          </a:ln>
+        </p:spPr>
+        <p:style>
+          <a:lnRef idx="1">
+            <a:schemeClr val="accent1"/>
+          </a:lnRef>
+          <a:fillRef idx="0">
+            <a:schemeClr val="accent1"/>
+          </a:fillRef>
+          <a:effectRef idx="0">
+            <a:schemeClr val="accent1"/>
+          </a:effectRef>
+          <a:fontRef idx="minor">
+            <a:schemeClr val="tx1"/>
+          </a:fontRef>
+        </p:style>
+      </p:cxnSp>
+      <p:cxnSp>
+        <p:nvCxnSpPr>
+          <p:cNvPr id="7" name="Straight Arrow Connector 6"/>
+          <p:cNvCxnSpPr/>
+          <p:nvPr/>
+        </p:nvCxnSpPr>
+        <p:spPr>
+          <a:xfrm>
+            <a:off x="3621505" y="6301882"/>
+            <a:ext cx="457200" cy="0"/>
+          </a:xfrm>
+          <a:prstGeom prst="straightConnector1">
+            <a:avLst/>
+          </a:prstGeom>
+          <a:ln>
+            <a:tailEnd type="triangle"/>
+          </a:ln>
+        </p:spPr>
+        <p:style>
+          <a:lnRef idx="1">
+            <a:schemeClr val="accent1"/>
+          </a:lnRef>
+          <a:fillRef idx="0">
+            <a:schemeClr val="accent1"/>
+          </a:fillRef>
+          <a:effectRef idx="0">
+            <a:schemeClr val="accent1"/>
+          </a:effectRef>
+          <a:fontRef idx="minor">
+            <a:schemeClr val="tx1"/>
+          </a:fontRef>
+        </p:style>
+      </p:cxnSp>
+      <p:sp>
+        <p:nvSpPr>
+          <p:cNvPr id="8" name="TextBox 7"/>
+          <p:cNvSpPr txBox="1"/>
+          <p:nvPr/>
+        </p:nvSpPr>
+        <p:spPr>
+          <a:xfrm>
+            <a:off x="4487779" y="6358904"/>
+            <a:ext cx="1540042" cy="261610"/>
+          </a:xfrm>
+          <a:prstGeom prst="rect">
+            <a:avLst/>
+          </a:prstGeom>
+          <a:noFill/>
+        </p:spPr>
+        <p:txBody>
+          <a:bodyPr wrap="square" rtlCol="0">
+            <a:spAutoFit/>
+          </a:bodyPr>
+          <a:lstStyle/>
+          <a:p>
+            <a:r>
+              <a:rPr lang="en-US" sz="1100" dirty="0"/>
+              <a:t>Hurricane Matthew</a:t>
+            </a:r>
+          </a:p>
+        </p:txBody>
+      </p:sp>
+    </p:spTree>
+    <p:extLst>
+      <p:ext uri="{BB962C8B-B14F-4D97-AF65-F5344CB8AC3E}">
+        <p14:creationId xmlns:p14="http://schemas.microsoft.com/office/powerpoint/2010/main" val="2821585702"/>
+      </p:ext>
+    </p:extLst>
+  </p:cSld>
+  <p:clrMapOvr>
+    <a:masterClrMapping/>
+  </p:clrMapOvr>
+</p:sld>
+</file>
+
+<file path=ppt/slides/slide8.xml><?xml version="1.0" encoding="utf-8"?>
+<p:sld xmlns:a="http://schemas.openxmlformats.org/drawingml/2006/main" xmlns:r="http://schemas.openxmlformats.org/officeDocument/2006/relationships" xmlns:p="http://schemas.openxmlformats.org/presentationml/2006/main">
+  <p:cSld>
+    <p:spTree>
+      <p:nvGrpSpPr>
+        <p:cNvPr id="1" name=""/>
+        <p:cNvGrpSpPr/>
+        <p:nvPr/>
+      </p:nvGrpSpPr>
+      <p:grpSpPr>
+        <a:xfrm>
+          <a:off x="0" y="0"/>
+          <a:ext cx="0" cy="0"/>
+          <a:chOff x="0" y="0"/>
+          <a:chExt cx="0" cy="0"/>
+        </a:xfrm>
+      </p:grpSpPr>
+      <p:pic>
+        <p:nvPicPr>
+          <p:cNvPr id="2" name="Picture 1"/>
+          <p:cNvPicPr>
+            <a:picLocks noChangeAspect="1"/>
+          </p:cNvPicPr>
+          <p:nvPr/>
+        </p:nvPicPr>
+        <p:blipFill>
+          <a:blip r:embed="rId2">
+            <a:extLst>
+              <a:ext uri="{28A0092B-C50C-407E-A947-70E740481C1C}">
+                <a14:useLocalDpi xmlns:a14="http://schemas.microsoft.com/office/drawing/2010/main" val="0"/>
+              </a:ext>
+            </a:extLst>
+          </a:blip>
+          <a:stretch>
+            <a:fillRect/>
+          </a:stretch>
+        </p:blipFill>
+        <p:spPr>
+          <a:xfrm>
+            <a:off x="360947" y="770020"/>
+            <a:ext cx="5851137" cy="7120824"/>
+          </a:xfrm>
+          <a:prstGeom prst="rect">
+            <a:avLst/>
+          </a:prstGeom>
+        </p:spPr>
+      </p:pic>
+      <p:cxnSp>
+        <p:nvCxnSpPr>
+          <p:cNvPr id="4" name="Straight Connector 3"/>
+          <p:cNvCxnSpPr/>
+          <p:nvPr/>
+        </p:nvCxnSpPr>
+        <p:spPr>
+          <a:xfrm flipV="1">
+            <a:off x="625642" y="1576138"/>
+            <a:ext cx="5630779" cy="36094"/>
+          </a:xfrm>
+          <a:prstGeom prst="line">
+            <a:avLst/>
+          </a:prstGeom>
+          <a:ln w="15875">
+            <a:solidFill>
+              <a:srgbClr val="FF0000"/>
+            </a:solidFill>
+          </a:ln>
+        </p:spPr>
+        <p:style>
+          <a:lnRef idx="1">
+            <a:schemeClr val="accent1"/>
+          </a:lnRef>
+          <a:fillRef idx="0">
+            <a:schemeClr val="accent1"/>
+          </a:fillRef>
+          <a:effectRef idx="0">
+            <a:schemeClr val="accent1"/>
+          </a:effectRef>
+          <a:fontRef idx="minor">
+            <a:schemeClr val="tx1"/>
+          </a:fontRef>
+        </p:style>
+      </p:cxnSp>
+      <p:cxnSp>
+        <p:nvCxnSpPr>
+          <p:cNvPr id="5" name="Straight Connector 4"/>
+          <p:cNvCxnSpPr/>
+          <p:nvPr/>
+        </p:nvCxnSpPr>
+        <p:spPr>
+          <a:xfrm flipV="1">
+            <a:off x="625642" y="2763254"/>
+            <a:ext cx="5630779" cy="36094"/>
+          </a:xfrm>
+          <a:prstGeom prst="line">
+            <a:avLst/>
+          </a:prstGeom>
+          <a:ln w="15875">
+            <a:solidFill>
+              <a:srgbClr val="FF0000"/>
+            </a:solidFill>
+          </a:ln>
+        </p:spPr>
+        <p:style>
+          <a:lnRef idx="1">
+            <a:schemeClr val="accent1"/>
+          </a:lnRef>
+          <a:fillRef idx="0">
+            <a:schemeClr val="accent1"/>
+          </a:fillRef>
+          <a:effectRef idx="0">
+            <a:schemeClr val="accent1"/>
+          </a:effectRef>
+          <a:fontRef idx="minor">
+            <a:schemeClr val="tx1"/>
+          </a:fontRef>
+        </p:style>
+      </p:cxnSp>
+      <p:sp>
+        <p:nvSpPr>
+          <p:cNvPr id="6" name="Rectangle 5"/>
+          <p:cNvSpPr/>
+          <p:nvPr/>
+        </p:nvSpPr>
+        <p:spPr>
+          <a:xfrm>
+            <a:off x="4853355" y="770020"/>
+            <a:ext cx="351692" cy="6955488"/>
+          </a:xfrm>
+          <a:prstGeom prst="rect">
+            <a:avLst/>
+          </a:prstGeom>
+          <a:solidFill>
+            <a:schemeClr val="accent1">
+              <a:alpha val="14000"/>
+            </a:schemeClr>
+          </a:solidFill>
+        </p:spPr>
+        <p:style>
+          <a:lnRef idx="2">
+            <a:schemeClr val="accent1">
+              <a:shade val="50000"/>
+            </a:schemeClr>
+          </a:lnRef>
+          <a:fillRef idx="1">
+            <a:schemeClr val="accent1"/>
+          </a:fillRef>
+          <a:effectRef idx="0">
+            <a:schemeClr val="accent1"/>
+          </a:effectRef>
+          <a:fontRef idx="minor">
+            <a:schemeClr val="lt1"/>
+          </a:fontRef>
+        </p:style>
+        <p:txBody>
+          <a:bodyPr rtlCol="0" anchor="ctr"/>
+          <a:lstStyle/>
+          <a:p>
+            <a:pPr algn="ctr"/>
+            <a:endParaRPr lang="en-US"/>
+          </a:p>
+        </p:txBody>
+      </p:sp>
+      <p:sp>
+        <p:nvSpPr>
+          <p:cNvPr id="7" name="TextBox 6"/>
+          <p:cNvSpPr txBox="1"/>
+          <p:nvPr/>
+        </p:nvSpPr>
+        <p:spPr>
+          <a:xfrm>
+            <a:off x="5548253" y="1363185"/>
+            <a:ext cx="545640" cy="200055"/>
+          </a:xfrm>
+          <a:prstGeom prst="rect">
+            <a:avLst/>
+          </a:prstGeom>
+          <a:noFill/>
+        </p:spPr>
+        <p:txBody>
+          <a:bodyPr wrap="square" rtlCol="0">
+            <a:spAutoFit/>
+          </a:bodyPr>
+          <a:lstStyle/>
+          <a:p>
+            <a:r>
+              <a:rPr lang="en-US" sz="700" dirty="0"/>
+              <a:t>Threshold</a:t>
+            </a:r>
+          </a:p>
+        </p:txBody>
+      </p:sp>
+      <p:sp>
+        <p:nvSpPr>
+          <p:cNvPr id="8" name="TextBox 7"/>
+          <p:cNvSpPr txBox="1"/>
+          <p:nvPr/>
+        </p:nvSpPr>
+        <p:spPr>
+          <a:xfrm>
+            <a:off x="5548253" y="2557800"/>
+            <a:ext cx="545640" cy="200055"/>
+          </a:xfrm>
+          <a:prstGeom prst="rect">
+            <a:avLst/>
+          </a:prstGeom>
+          <a:noFill/>
+        </p:spPr>
+        <p:txBody>
+          <a:bodyPr wrap="square" rtlCol="0">
+            <a:spAutoFit/>
+          </a:bodyPr>
+          <a:lstStyle/>
+          <a:p>
+            <a:r>
+              <a:rPr lang="en-US" sz="700" dirty="0"/>
+              <a:t>Threshold</a:t>
+            </a:r>
+          </a:p>
+        </p:txBody>
+      </p:sp>
+    </p:spTree>
+    <p:extLst>
+      <p:ext uri="{BB962C8B-B14F-4D97-AF65-F5344CB8AC3E}">
+        <p14:creationId xmlns:p14="http://schemas.microsoft.com/office/powerpoint/2010/main" val="2150496211"/>
+      </p:ext>
+    </p:extLst>
+  </p:cSld>
+  <p:clrMapOvr>
+    <a:masterClrMapping/>
+  </p:clrMapOvr>
+</p:sld>
+</file>
+
+<file path=ppt/slides/slide9.xml><?xml version="1.0" encoding="utf-8"?>
+<p:sld xmlns:a="http://schemas.openxmlformats.org/drawingml/2006/main" xmlns:r="http://schemas.openxmlformats.org/officeDocument/2006/relationships" xmlns:p="http://schemas.openxmlformats.org/presentationml/2006/main">
+  <p:cSld>
+    <p:spTree>
+      <p:nvGrpSpPr>
+        <p:cNvPr id="1" name=""/>
+        <p:cNvGrpSpPr/>
+        <p:nvPr/>
+      </p:nvGrpSpPr>
+      <p:grpSpPr>
+        <a:xfrm>
+          <a:off x="0" y="0"/>
+          <a:ext cx="0" cy="0"/>
+          <a:chOff x="0" y="0"/>
+          <a:chExt cx="0" cy="0"/>
+        </a:xfrm>
+      </p:grpSpPr>
+      <p:pic>
+        <p:nvPicPr>
+          <p:cNvPr id="2" name="Picture 1"/>
+          <p:cNvPicPr>
+            <a:picLocks noChangeAspect="1"/>
+          </p:cNvPicPr>
+          <p:nvPr/>
+        </p:nvPicPr>
+        <p:blipFill>
+          <a:blip r:embed="rId2">
+            <a:extLst>
+              <a:ext uri="{28A0092B-C50C-407E-A947-70E740481C1C}">
+                <a14:useLocalDpi xmlns:a14="http://schemas.microsoft.com/office/drawing/2010/main" val="0"/>
+              </a:ext>
+            </a:extLst>
+          </a:blip>
+          <a:stretch>
+            <a:fillRect/>
+          </a:stretch>
+        </p:blipFill>
+        <p:spPr>
+          <a:xfrm>
+            <a:off x="228600" y="2839453"/>
+            <a:ext cx="6509084" cy="3118269"/>
+          </a:xfrm>
+          <a:prstGeom prst="rect">
+            <a:avLst/>
+          </a:prstGeom>
+        </p:spPr>
+      </p:pic>
+      <p:sp>
+        <p:nvSpPr>
+          <p:cNvPr id="3" name="Rectangle 2"/>
+          <p:cNvSpPr/>
+          <p:nvPr/>
+        </p:nvSpPr>
+        <p:spPr>
+          <a:xfrm>
+            <a:off x="4908886" y="2995874"/>
+            <a:ext cx="252663" cy="3140231"/>
+          </a:xfrm>
+          <a:prstGeom prst="rect">
+            <a:avLst/>
+          </a:prstGeom>
+          <a:noFill/>
+        </p:spPr>
+        <p:style>
+          <a:lnRef idx="2">
+            <a:schemeClr val="accent1">
+              <a:shade val="50000"/>
+            </a:schemeClr>
+          </a:lnRef>
+          <a:fillRef idx="1">
+            <a:schemeClr val="accent1"/>
+          </a:fillRef>
+          <a:effectRef idx="0">
+            <a:schemeClr val="accent1"/>
+          </a:effectRef>
+          <a:fontRef idx="minor">
+            <a:schemeClr val="lt1"/>
+          </a:fontRef>
+        </p:style>
+        <p:txBody>
+          <a:bodyPr rtlCol="0" anchor="ctr"/>
+          <a:lstStyle/>
+          <a:p>
+            <a:pPr algn="ctr"/>
+            <a:endParaRPr lang="en-US"/>
+          </a:p>
+        </p:txBody>
+      </p:sp>
+      <p:cxnSp>
+        <p:nvCxnSpPr>
+          <p:cNvPr id="4" name="Straight Arrow Connector 3"/>
+          <p:cNvCxnSpPr/>
+          <p:nvPr/>
+        </p:nvCxnSpPr>
+        <p:spPr>
+          <a:xfrm flipH="1">
+            <a:off x="5161549" y="5989050"/>
+            <a:ext cx="360948" cy="0"/>
+          </a:xfrm>
+          <a:prstGeom prst="straightConnector1">
+            <a:avLst/>
+          </a:prstGeom>
+          <a:ln>
+            <a:tailEnd type="triangle"/>
+          </a:ln>
+        </p:spPr>
+        <p:style>
+          <a:lnRef idx="1">
+            <a:schemeClr val="accent1"/>
+          </a:lnRef>
+          <a:fillRef idx="0">
+            <a:schemeClr val="accent1"/>
+          </a:fillRef>
+          <a:effectRef idx="0">
+            <a:schemeClr val="accent1"/>
+          </a:effectRef>
+          <a:fontRef idx="minor">
+            <a:schemeClr val="tx1"/>
+          </a:fontRef>
+        </p:style>
+      </p:cxnSp>
+      <p:cxnSp>
+        <p:nvCxnSpPr>
+          <p:cNvPr id="5" name="Straight Arrow Connector 4"/>
+          <p:cNvCxnSpPr/>
+          <p:nvPr/>
+        </p:nvCxnSpPr>
+        <p:spPr>
+          <a:xfrm>
+            <a:off x="4451686" y="5989050"/>
+            <a:ext cx="457200" cy="0"/>
+          </a:xfrm>
+          <a:prstGeom prst="straightConnector1">
+            <a:avLst/>
+          </a:prstGeom>
+          <a:ln>
+            <a:tailEnd type="triangle"/>
+          </a:ln>
+        </p:spPr>
+        <p:style>
+          <a:lnRef idx="1">
+            <a:schemeClr val="accent1"/>
+          </a:lnRef>
+          <a:fillRef idx="0">
+            <a:schemeClr val="accent1"/>
+          </a:fillRef>
+          <a:effectRef idx="0">
+            <a:schemeClr val="accent1"/>
+          </a:effectRef>
+          <a:fontRef idx="minor">
+            <a:schemeClr val="tx1"/>
+          </a:fontRef>
+        </p:style>
+      </p:cxnSp>
+      <p:sp>
+        <p:nvSpPr>
+          <p:cNvPr id="6" name="TextBox 5"/>
+          <p:cNvSpPr txBox="1"/>
+          <p:nvPr/>
+        </p:nvSpPr>
+        <p:spPr>
+          <a:xfrm>
+            <a:off x="5317960" y="6046072"/>
+            <a:ext cx="1540042" cy="261610"/>
+          </a:xfrm>
+          <a:prstGeom prst="rect">
+            <a:avLst/>
+          </a:prstGeom>
+          <a:noFill/>
+        </p:spPr>
+        <p:txBody>
+          <a:bodyPr wrap="square" rtlCol="0">
+            <a:spAutoFit/>
+          </a:bodyPr>
+          <a:lstStyle/>
+          <a:p>
+            <a:r>
+              <a:rPr lang="en-US" sz="1100" dirty="0"/>
+              <a:t>Hurricane Matthew</a:t>
+            </a:r>
+          </a:p>
+        </p:txBody>
+      </p:sp>
+    </p:spTree>
+    <p:extLst>
+      <p:ext uri="{BB962C8B-B14F-4D97-AF65-F5344CB8AC3E}">
+        <p14:creationId xmlns:p14="http://schemas.microsoft.com/office/powerpoint/2010/main" val="3240659219"/>
       </p:ext>
     </p:extLst>
   </p:cSld>
